--- a/Training_ppt/mongodb class 15.pptx
+++ b/Training_ppt/mongodb class 15.pptx
@@ -9,10 +9,10 @@
     <p:sldMasterId id="2147483899" r:id="rId5"/>
   </p:sldMasterIdLst>
   <p:notesMasterIdLst>
-    <p:notesMasterId r:id="rId20"/>
+    <p:notesMasterId r:id="rId19"/>
   </p:notesMasterIdLst>
   <p:handoutMasterIdLst>
-    <p:handoutMasterId r:id="rId21"/>
+    <p:handoutMasterId r:id="rId20"/>
   </p:handoutMasterIdLst>
   <p:sldIdLst>
     <p:sldId id="509" r:id="rId6"/>
@@ -28,7 +28,6 @@
     <p:sldId id="559" r:id="rId16"/>
     <p:sldId id="560" r:id="rId17"/>
     <p:sldId id="535" r:id="rId18"/>
-    <p:sldId id="536" r:id="rId19"/>
   </p:sldIdLst>
   <p:sldSz cx="9144000" cy="6858000" type="screen4x3"/>
   <p:notesSz cx="6858000" cy="9144000"/>
@@ -268,7 +267,7 @@
             <a:fld id="{363A4C4D-59EE-2246-8A8A-BC382FE15806}" type="datetimeFigureOut">
               <a:rPr lang="en-US"/>
               <a:pPr/>
-              <a:t>8/16/2015</a:t>
+              <a:t>12/2/2018</a:t>
             </a:fld>
             <a:endParaRPr lang="en-US"/>
           </a:p>
@@ -363,7 +362,7 @@
     </p:spTree>
     <p:extLst>
       <p:ext uri="{BB962C8B-B14F-4D97-AF65-F5344CB8AC3E}">
-        <p14:creationId xmlns:p14="http://schemas.microsoft.com/office/powerpoint/2010/main" val="854809977"/>
+        <p14:creationId xmlns:p14="http://schemas.microsoft.com/office/powerpoint/2010/main" xmlns="" val="854809977"/>
       </p:ext>
     </p:extLst>
   </p:cSld>
@@ -474,7 +473,7 @@
             <a:fld id="{74EB4956-4F27-264E-B23A-67A995E5F37F}" type="datetimeFigureOut">
               <a:rPr lang="en-US"/>
               <a:pPr/>
-              <a:t>8/16/2015</a:t>
+              <a:t>12/2/2018</a:t>
             </a:fld>
             <a:endParaRPr lang="en-US"/>
           </a:p>
@@ -663,7 +662,7 @@
     </p:spTree>
     <p:extLst>
       <p:ext uri="{BB962C8B-B14F-4D97-AF65-F5344CB8AC3E}">
-        <p14:creationId xmlns:p14="http://schemas.microsoft.com/office/powerpoint/2010/main" val="2248946852"/>
+        <p14:creationId xmlns:p14="http://schemas.microsoft.com/office/powerpoint/2010/main" xmlns="" val="2248946852"/>
       </p:ext>
     </p:extLst>
   </p:cSld>
@@ -845,7 +844,7 @@
     </p:spTree>
     <p:extLst>
       <p:ext uri="{BB962C8B-B14F-4D97-AF65-F5344CB8AC3E}">
-        <p14:creationId xmlns:p14="http://schemas.microsoft.com/office/powerpoint/2010/main" val="4125755858"/>
+        <p14:creationId xmlns:p14="http://schemas.microsoft.com/office/powerpoint/2010/main" xmlns="" val="4125755858"/>
       </p:ext>
     </p:extLst>
   </p:cSld>
@@ -906,7 +905,7 @@
     </p:spTree>
     <p:extLst>
       <p:ext uri="{BB962C8B-B14F-4D97-AF65-F5344CB8AC3E}">
-        <p14:creationId xmlns:p14="http://schemas.microsoft.com/office/powerpoint/2010/main" val="4125755858"/>
+        <p14:creationId xmlns:p14="http://schemas.microsoft.com/office/powerpoint/2010/main" xmlns="" val="4125755858"/>
       </p:ext>
     </p:extLst>
   </p:cSld>
@@ -967,7 +966,7 @@
     </p:spTree>
     <p:extLst>
       <p:ext uri="{BB962C8B-B14F-4D97-AF65-F5344CB8AC3E}">
-        <p14:creationId xmlns:p14="http://schemas.microsoft.com/office/powerpoint/2010/main" val="4125755858"/>
+        <p14:creationId xmlns:p14="http://schemas.microsoft.com/office/powerpoint/2010/main" xmlns="" val="4125755858"/>
       </p:ext>
     </p:extLst>
   </p:cSld>
@@ -1028,7 +1027,7 @@
     </p:spTree>
     <p:extLst>
       <p:ext uri="{BB962C8B-B14F-4D97-AF65-F5344CB8AC3E}">
-        <p14:creationId xmlns:p14="http://schemas.microsoft.com/office/powerpoint/2010/main" val="4125755858"/>
+        <p14:creationId xmlns:p14="http://schemas.microsoft.com/office/powerpoint/2010/main" xmlns="" val="4125755858"/>
       </p:ext>
     </p:extLst>
   </p:cSld>
@@ -1089,7 +1088,7 @@
     </p:spTree>
     <p:extLst>
       <p:ext uri="{BB962C8B-B14F-4D97-AF65-F5344CB8AC3E}">
-        <p14:creationId xmlns:p14="http://schemas.microsoft.com/office/powerpoint/2010/main" val="4125755858"/>
+        <p14:creationId xmlns:p14="http://schemas.microsoft.com/office/powerpoint/2010/main" xmlns="" val="4125755858"/>
       </p:ext>
     </p:extLst>
   </p:cSld>
@@ -1150,7 +1149,7 @@
     </p:spTree>
     <p:extLst>
       <p:ext uri="{BB962C8B-B14F-4D97-AF65-F5344CB8AC3E}">
-        <p14:creationId xmlns:p14="http://schemas.microsoft.com/office/powerpoint/2010/main" val="4125755858"/>
+        <p14:creationId xmlns:p14="http://schemas.microsoft.com/office/powerpoint/2010/main" xmlns="" val="4125755858"/>
       </p:ext>
     </p:extLst>
   </p:cSld>
@@ -1211,7 +1210,7 @@
     </p:spTree>
     <p:extLst>
       <p:ext uri="{BB962C8B-B14F-4D97-AF65-F5344CB8AC3E}">
-        <p14:creationId xmlns:p14="http://schemas.microsoft.com/office/powerpoint/2010/main" val="4125755858"/>
+        <p14:creationId xmlns:p14="http://schemas.microsoft.com/office/powerpoint/2010/main" xmlns="" val="4125755858"/>
       </p:ext>
     </p:extLst>
   </p:cSld>
@@ -1272,7 +1271,7 @@
     </p:spTree>
     <p:extLst>
       <p:ext uri="{BB962C8B-B14F-4D97-AF65-F5344CB8AC3E}">
-        <p14:creationId xmlns:p14="http://schemas.microsoft.com/office/powerpoint/2010/main" val="4125755858"/>
+        <p14:creationId xmlns:p14="http://schemas.microsoft.com/office/powerpoint/2010/main" xmlns="" val="4125755858"/>
       </p:ext>
     </p:extLst>
   </p:cSld>
@@ -1333,7 +1332,7 @@
     </p:spTree>
     <p:extLst>
       <p:ext uri="{BB962C8B-B14F-4D97-AF65-F5344CB8AC3E}">
-        <p14:creationId xmlns:p14="http://schemas.microsoft.com/office/powerpoint/2010/main" val="4125755858"/>
+        <p14:creationId xmlns:p14="http://schemas.microsoft.com/office/powerpoint/2010/main" xmlns="" val="4125755858"/>
       </p:ext>
     </p:extLst>
   </p:cSld>
@@ -1394,7 +1393,7 @@
     </p:spTree>
     <p:extLst>
       <p:ext uri="{BB962C8B-B14F-4D97-AF65-F5344CB8AC3E}">
-        <p14:creationId xmlns:p14="http://schemas.microsoft.com/office/powerpoint/2010/main" val="4125755858"/>
+        <p14:creationId xmlns:p14="http://schemas.microsoft.com/office/powerpoint/2010/main" xmlns="" val="4125755858"/>
       </p:ext>
     </p:extLst>
   </p:cSld>
@@ -1455,7 +1454,7 @@
     </p:spTree>
     <p:extLst>
       <p:ext uri="{BB962C8B-B14F-4D97-AF65-F5344CB8AC3E}">
-        <p14:creationId xmlns:p14="http://schemas.microsoft.com/office/powerpoint/2010/main" val="4125755858"/>
+        <p14:creationId xmlns:p14="http://schemas.microsoft.com/office/powerpoint/2010/main" xmlns="" val="4125755858"/>
       </p:ext>
     </p:extLst>
   </p:cSld>
@@ -1516,7 +1515,7 @@
     </p:spTree>
     <p:extLst>
       <p:ext uri="{BB962C8B-B14F-4D97-AF65-F5344CB8AC3E}">
-        <p14:creationId xmlns:p14="http://schemas.microsoft.com/office/powerpoint/2010/main" val="4125755858"/>
+        <p14:creationId xmlns:p14="http://schemas.microsoft.com/office/powerpoint/2010/main" xmlns="" val="4125755858"/>
       </p:ext>
     </p:extLst>
   </p:cSld>
@@ -1607,7 +1606,7 @@
     </p:spTree>
     <p:extLst>
       <p:ext uri="{BB962C8B-B14F-4D97-AF65-F5344CB8AC3E}">
-        <p14:creationId xmlns:p14="http://schemas.microsoft.com/office/powerpoint/2010/main" val="1104810335"/>
+        <p14:creationId xmlns:p14="http://schemas.microsoft.com/office/powerpoint/2010/main" xmlns="" val="1104810335"/>
       </p:ext>
     </p:extLst>
   </p:cSld>
@@ -1637,7 +1636,7 @@
     </p:spTree>
     <p:extLst>
       <p:ext uri="{BB962C8B-B14F-4D97-AF65-F5344CB8AC3E}">
-        <p14:creationId xmlns:p14="http://schemas.microsoft.com/office/powerpoint/2010/main" val="4032902634"/>
+        <p14:creationId xmlns:p14="http://schemas.microsoft.com/office/powerpoint/2010/main" xmlns="" val="4032902634"/>
       </p:ext>
     </p:extLst>
   </p:cSld>
@@ -1723,7 +1722,7 @@
           <a:blip r:embed="rId2">
             <a:extLst>
               <a:ext uri="{28A0092B-C50C-407E-A947-70E740481C1C}">
-                <a14:useLocalDpi xmlns:a14="http://schemas.microsoft.com/office/drawing/2010/main" val="0"/>
+                <a14:useLocalDpi xmlns:a14="http://schemas.microsoft.com/office/drawing/2010/main" xmlns="" val="0"/>
               </a:ext>
             </a:extLst>
           </a:blip>
@@ -1788,7 +1787,7 @@
     </p:spTree>
     <p:extLst>
       <p:ext uri="{BB962C8B-B14F-4D97-AF65-F5344CB8AC3E}">
-        <p14:creationId xmlns:p14="http://schemas.microsoft.com/office/powerpoint/2010/main" val="3007450244"/>
+        <p14:creationId xmlns:p14="http://schemas.microsoft.com/office/powerpoint/2010/main" xmlns="" val="3007450244"/>
       </p:ext>
     </p:extLst>
   </p:cSld>
@@ -1862,7 +1861,7 @@
     </p:spTree>
     <p:extLst>
       <p:ext uri="{BB962C8B-B14F-4D97-AF65-F5344CB8AC3E}">
-        <p14:creationId xmlns:p14="http://schemas.microsoft.com/office/powerpoint/2010/main" val="2062897114"/>
+        <p14:creationId xmlns:p14="http://schemas.microsoft.com/office/powerpoint/2010/main" xmlns="" val="2062897114"/>
       </p:ext>
     </p:extLst>
   </p:cSld>
@@ -1892,7 +1891,7 @@
     </p:spTree>
     <p:extLst>
       <p:ext uri="{BB962C8B-B14F-4D97-AF65-F5344CB8AC3E}">
-        <p14:creationId xmlns:p14="http://schemas.microsoft.com/office/powerpoint/2010/main" val="3154727345"/>
+        <p14:creationId xmlns:p14="http://schemas.microsoft.com/office/powerpoint/2010/main" xmlns="" val="3154727345"/>
       </p:ext>
     </p:extLst>
   </p:cSld>
@@ -2025,7 +2024,7 @@
           <a:blip r:embed="rId2">
             <a:extLst>
               <a:ext uri="{28A0092B-C50C-407E-A947-70E740481C1C}">
-                <a14:useLocalDpi xmlns:a14="http://schemas.microsoft.com/office/drawing/2010/main" val="0"/>
+                <a14:useLocalDpi xmlns:a14="http://schemas.microsoft.com/office/drawing/2010/main" xmlns="" val="0"/>
               </a:ext>
             </a:extLst>
           </a:blip>
@@ -2131,7 +2130,7 @@
     </p:spTree>
     <p:extLst>
       <p:ext uri="{BB962C8B-B14F-4D97-AF65-F5344CB8AC3E}">
-        <p14:creationId xmlns:p14="http://schemas.microsoft.com/office/powerpoint/2010/main" val="3849848588"/>
+        <p14:creationId xmlns:p14="http://schemas.microsoft.com/office/powerpoint/2010/main" xmlns="" val="3849848588"/>
       </p:ext>
     </p:extLst>
   </p:cSld>
@@ -2230,7 +2229,7 @@
     </p:spTree>
     <p:extLst>
       <p:ext uri="{BB962C8B-B14F-4D97-AF65-F5344CB8AC3E}">
-        <p14:creationId xmlns:p14="http://schemas.microsoft.com/office/powerpoint/2010/main" val="3981101098"/>
+        <p14:creationId xmlns:p14="http://schemas.microsoft.com/office/powerpoint/2010/main" xmlns="" val="3981101098"/>
       </p:ext>
     </p:extLst>
   </p:cSld>
@@ -2442,7 +2441,7 @@
           <a:blip r:embed="rId2">
             <a:extLst>
               <a:ext uri="{28A0092B-C50C-407E-A947-70E740481C1C}">
-                <a14:useLocalDpi xmlns:a14="http://schemas.microsoft.com/office/drawing/2010/main" val="0"/>
+                <a14:useLocalDpi xmlns:a14="http://schemas.microsoft.com/office/drawing/2010/main" xmlns="" val="0"/>
               </a:ext>
             </a:extLst>
           </a:blip>
@@ -2463,7 +2462,7 @@
     </p:spTree>
     <p:extLst>
       <p:ext uri="{BB962C8B-B14F-4D97-AF65-F5344CB8AC3E}">
-        <p14:creationId xmlns:p14="http://schemas.microsoft.com/office/powerpoint/2010/main" val="1362952649"/>
+        <p14:creationId xmlns:p14="http://schemas.microsoft.com/office/powerpoint/2010/main" xmlns="" val="1362952649"/>
       </p:ext>
     </p:extLst>
   </p:cSld>
@@ -2751,7 +2750,7 @@
     </p:spTree>
     <p:extLst>
       <p:ext uri="{BB962C8B-B14F-4D97-AF65-F5344CB8AC3E}">
-        <p14:creationId xmlns:p14="http://schemas.microsoft.com/office/powerpoint/2010/main" val="4057680718"/>
+        <p14:creationId xmlns:p14="http://schemas.microsoft.com/office/powerpoint/2010/main" xmlns="" val="4057680718"/>
       </p:ext>
     </p:extLst>
   </p:cSld>
@@ -2954,7 +2953,7 @@
     </p:spTree>
     <p:extLst>
       <p:ext uri="{BB962C8B-B14F-4D97-AF65-F5344CB8AC3E}">
-        <p14:creationId xmlns:p14="http://schemas.microsoft.com/office/powerpoint/2010/main" val="1777491088"/>
+        <p14:creationId xmlns:p14="http://schemas.microsoft.com/office/powerpoint/2010/main" xmlns="" val="1777491088"/>
       </p:ext>
     </p:extLst>
   </p:cSld>
@@ -3233,7 +3232,7 @@
     </p:spTree>
     <p:extLst>
       <p:ext uri="{BB962C8B-B14F-4D97-AF65-F5344CB8AC3E}">
-        <p14:creationId xmlns:p14="http://schemas.microsoft.com/office/powerpoint/2010/main" val="2140090503"/>
+        <p14:creationId xmlns:p14="http://schemas.microsoft.com/office/powerpoint/2010/main" xmlns="" val="2140090503"/>
       </p:ext>
     </p:extLst>
   </p:cSld>
@@ -3294,7 +3293,7 @@
     </p:spTree>
     <p:extLst>
       <p:ext uri="{BB962C8B-B14F-4D97-AF65-F5344CB8AC3E}">
-        <p14:creationId xmlns:p14="http://schemas.microsoft.com/office/powerpoint/2010/main" val="646295029"/>
+        <p14:creationId xmlns:p14="http://schemas.microsoft.com/office/powerpoint/2010/main" xmlns="" val="646295029"/>
       </p:ext>
     </p:extLst>
   </p:cSld>
@@ -3615,7 +3614,7 @@
     </p:spTree>
     <p:extLst>
       <p:ext uri="{BB962C8B-B14F-4D97-AF65-F5344CB8AC3E}">
-        <p14:creationId xmlns:p14="http://schemas.microsoft.com/office/powerpoint/2010/main" val="2379528955"/>
+        <p14:creationId xmlns:p14="http://schemas.microsoft.com/office/powerpoint/2010/main" xmlns="" val="2379528955"/>
       </p:ext>
     </p:extLst>
   </p:cSld>
@@ -4082,7 +4081,7 @@
     </p:spTree>
     <p:extLst>
       <p:ext uri="{BB962C8B-B14F-4D97-AF65-F5344CB8AC3E}">
-        <p14:creationId xmlns:p14="http://schemas.microsoft.com/office/powerpoint/2010/main" val="138225237"/>
+        <p14:creationId xmlns:p14="http://schemas.microsoft.com/office/powerpoint/2010/main" xmlns="" val="138225237"/>
       </p:ext>
     </p:extLst>
   </p:cSld>
@@ -4233,7 +4232,7 @@
     </p:spTree>
     <p:extLst>
       <p:ext uri="{BB962C8B-B14F-4D97-AF65-F5344CB8AC3E}">
-        <p14:creationId xmlns:p14="http://schemas.microsoft.com/office/powerpoint/2010/main" val="1167574683"/>
+        <p14:creationId xmlns:p14="http://schemas.microsoft.com/office/powerpoint/2010/main" xmlns="" val="1167574683"/>
       </p:ext>
     </p:extLst>
   </p:cSld>
@@ -4361,7 +4360,7 @@
     </p:spTree>
     <p:extLst>
       <p:ext uri="{BB962C8B-B14F-4D97-AF65-F5344CB8AC3E}">
-        <p14:creationId xmlns:p14="http://schemas.microsoft.com/office/powerpoint/2010/main" val="2934307910"/>
+        <p14:creationId xmlns:p14="http://schemas.microsoft.com/office/powerpoint/2010/main" xmlns="" val="2934307910"/>
       </p:ext>
     </p:extLst>
   </p:cSld>
@@ -4645,7 +4644,7 @@
     </p:spTree>
     <p:extLst>
       <p:ext uri="{BB962C8B-B14F-4D97-AF65-F5344CB8AC3E}">
-        <p14:creationId xmlns:p14="http://schemas.microsoft.com/office/powerpoint/2010/main" val="2440437701"/>
+        <p14:creationId xmlns:p14="http://schemas.microsoft.com/office/powerpoint/2010/main" xmlns="" val="2440437701"/>
       </p:ext>
     </p:extLst>
   </p:cSld>
@@ -4947,7 +4946,7 @@
     </p:spTree>
     <p:extLst>
       <p:ext uri="{BB962C8B-B14F-4D97-AF65-F5344CB8AC3E}">
-        <p14:creationId xmlns:p14="http://schemas.microsoft.com/office/powerpoint/2010/main" val="441703893"/>
+        <p14:creationId xmlns:p14="http://schemas.microsoft.com/office/powerpoint/2010/main" xmlns="" val="441703893"/>
       </p:ext>
     </p:extLst>
   </p:cSld>
@@ -5150,7 +5149,7 @@
     </p:spTree>
     <p:extLst>
       <p:ext uri="{BB962C8B-B14F-4D97-AF65-F5344CB8AC3E}">
-        <p14:creationId xmlns:p14="http://schemas.microsoft.com/office/powerpoint/2010/main" val="3387397092"/>
+        <p14:creationId xmlns:p14="http://schemas.microsoft.com/office/powerpoint/2010/main" xmlns="" val="3387397092"/>
       </p:ext>
     </p:extLst>
   </p:cSld>
@@ -5363,7 +5362,7 @@
     </p:spTree>
     <p:extLst>
       <p:ext uri="{BB962C8B-B14F-4D97-AF65-F5344CB8AC3E}">
-        <p14:creationId xmlns:p14="http://schemas.microsoft.com/office/powerpoint/2010/main" val="2480433108"/>
+        <p14:creationId xmlns:p14="http://schemas.microsoft.com/office/powerpoint/2010/main" xmlns="" val="2480433108"/>
       </p:ext>
     </p:extLst>
   </p:cSld>
@@ -5493,7 +5492,7 @@
           <a:blip r:embed="rId2">
             <a:extLst>
               <a:ext uri="{28A0092B-C50C-407E-A947-70E740481C1C}">
-                <a14:useLocalDpi xmlns:a14="http://schemas.microsoft.com/office/drawing/2010/main" val="0"/>
+                <a14:useLocalDpi xmlns:a14="http://schemas.microsoft.com/office/drawing/2010/main" xmlns="" val="0"/>
               </a:ext>
             </a:extLst>
           </a:blip>
@@ -5599,7 +5598,7 @@
     </p:spTree>
     <p:extLst>
       <p:ext uri="{BB962C8B-B14F-4D97-AF65-F5344CB8AC3E}">
-        <p14:creationId xmlns:p14="http://schemas.microsoft.com/office/powerpoint/2010/main" val="2727688691"/>
+        <p14:creationId xmlns:p14="http://schemas.microsoft.com/office/powerpoint/2010/main" xmlns="" val="2727688691"/>
       </p:ext>
     </p:extLst>
   </p:cSld>
@@ -5673,7 +5672,7 @@
     </p:spTree>
     <p:extLst>
       <p:ext uri="{BB962C8B-B14F-4D97-AF65-F5344CB8AC3E}">
-        <p14:creationId xmlns:p14="http://schemas.microsoft.com/office/powerpoint/2010/main" val="2488184234"/>
+        <p14:creationId xmlns:p14="http://schemas.microsoft.com/office/powerpoint/2010/main" xmlns="" val="2488184234"/>
       </p:ext>
     </p:extLst>
   </p:cSld>
@@ -5764,7 +5763,7 @@
     </p:spTree>
     <p:extLst>
       <p:ext uri="{BB962C8B-B14F-4D97-AF65-F5344CB8AC3E}">
-        <p14:creationId xmlns:p14="http://schemas.microsoft.com/office/powerpoint/2010/main" val="3164487205"/>
+        <p14:creationId xmlns:p14="http://schemas.microsoft.com/office/powerpoint/2010/main" xmlns="" val="3164487205"/>
       </p:ext>
     </p:extLst>
   </p:cSld>
@@ -5825,7 +5824,7 @@
     </p:spTree>
     <p:extLst>
       <p:ext uri="{BB962C8B-B14F-4D97-AF65-F5344CB8AC3E}">
-        <p14:creationId xmlns:p14="http://schemas.microsoft.com/office/powerpoint/2010/main" val="773578546"/>
+        <p14:creationId xmlns:p14="http://schemas.microsoft.com/office/powerpoint/2010/main" xmlns="" val="773578546"/>
       </p:ext>
     </p:extLst>
   </p:cSld>
@@ -5900,7 +5899,7 @@
     </p:spTree>
     <p:extLst>
       <p:ext uri="{BB962C8B-B14F-4D97-AF65-F5344CB8AC3E}">
-        <p14:creationId xmlns:p14="http://schemas.microsoft.com/office/powerpoint/2010/main" val="2183272591"/>
+        <p14:creationId xmlns:p14="http://schemas.microsoft.com/office/powerpoint/2010/main" xmlns="" val="2183272591"/>
       </p:ext>
     </p:extLst>
   </p:cSld>
@@ -5974,7 +5973,7 @@
     </p:spTree>
     <p:extLst>
       <p:ext uri="{BB962C8B-B14F-4D97-AF65-F5344CB8AC3E}">
-        <p14:creationId xmlns:p14="http://schemas.microsoft.com/office/powerpoint/2010/main" val="3617921409"/>
+        <p14:creationId xmlns:p14="http://schemas.microsoft.com/office/powerpoint/2010/main" xmlns="" val="3617921409"/>
       </p:ext>
     </p:extLst>
   </p:cSld>
@@ -6035,7 +6034,7 @@
     </p:spTree>
     <p:extLst>
       <p:ext uri="{BB962C8B-B14F-4D97-AF65-F5344CB8AC3E}">
-        <p14:creationId xmlns:p14="http://schemas.microsoft.com/office/powerpoint/2010/main" val="275284788"/>
+        <p14:creationId xmlns:p14="http://schemas.microsoft.com/office/powerpoint/2010/main" xmlns="" val="275284788"/>
       </p:ext>
     </p:extLst>
   </p:cSld>
@@ -6091,14 +6090,14 @@
           </a:ln>
           <a:extLst>
             <a:ext uri="{909E8E84-426E-40DD-AFC4-6F175D3DCCD1}">
-              <a14:hiddenFill xmlns:a14="http://schemas.microsoft.com/office/drawing/2010/main">
+              <a14:hiddenFill xmlns:a14="http://schemas.microsoft.com/office/drawing/2010/main" xmlns="">
                 <a:solidFill>
                   <a:srgbClr val="FFFFFF"/>
                 </a:solidFill>
               </a14:hiddenFill>
             </a:ext>
             <a:ext uri="{91240B29-F687-4F45-9708-019B960494DF}">
-              <a14:hiddenLine xmlns:a14="http://schemas.microsoft.com/office/drawing/2010/main" w="9525">
+              <a14:hiddenLine xmlns:a14="http://schemas.microsoft.com/office/drawing/2010/main" xmlns="" w="9525">
                 <a:solidFill>
                   <a:srgbClr val="000000"/>
                 </a:solidFill>
@@ -6108,7 +6107,7 @@
               </a14:hiddenLine>
             </a:ext>
             <a:ext uri="{FAA26D3D-D897-4be2-8F04-BA451C77F1D7}">
-              <ma14:placeholderFlag xmlns:ma14="http://schemas.microsoft.com/office/mac/drawingml/2011/main" xmlns="" val="1"/>
+              <ma14:placeholderFlag xmlns="" xmlns:ma14="http://schemas.microsoft.com/office/mac/drawingml/2011/main" val="1"/>
             </a:ext>
           </a:extLst>
         </p:spPr>
@@ -6274,14 +6273,14 @@
           </a:ln>
           <a:extLst>
             <a:ext uri="{909E8E84-426E-40DD-AFC4-6F175D3DCCD1}">
-              <a14:hiddenFill xmlns:a14="http://schemas.microsoft.com/office/drawing/2010/main">
+              <a14:hiddenFill xmlns:a14="http://schemas.microsoft.com/office/drawing/2010/main" xmlns="">
                 <a:solidFill>
                   <a:srgbClr val="FFFFFF"/>
                 </a:solidFill>
               </a14:hiddenFill>
             </a:ext>
             <a:ext uri="{91240B29-F687-4F45-9708-019B960494DF}">
-              <a14:hiddenLine xmlns:a14="http://schemas.microsoft.com/office/drawing/2010/main" w="9525">
+              <a14:hiddenLine xmlns:a14="http://schemas.microsoft.com/office/drawing/2010/main" xmlns="" w="9525">
                 <a:solidFill>
                   <a:srgbClr val="000000"/>
                 </a:solidFill>
@@ -6912,14 +6911,14 @@
           </a:ln>
           <a:extLst>
             <a:ext uri="{909E8E84-426E-40DD-AFC4-6F175D3DCCD1}">
-              <a14:hiddenFill xmlns:a14="http://schemas.microsoft.com/office/drawing/2010/main">
+              <a14:hiddenFill xmlns:a14="http://schemas.microsoft.com/office/drawing/2010/main" xmlns="">
                 <a:solidFill>
                   <a:srgbClr val="FFFFFF"/>
                 </a:solidFill>
               </a14:hiddenFill>
             </a:ext>
             <a:ext uri="{91240B29-F687-4F45-9708-019B960494DF}">
-              <a14:hiddenLine xmlns:a14="http://schemas.microsoft.com/office/drawing/2010/main" w="9525">
+              <a14:hiddenLine xmlns:a14="http://schemas.microsoft.com/office/drawing/2010/main" xmlns="" w="9525">
                 <a:solidFill>
                   <a:srgbClr val="000000"/>
                 </a:solidFill>
@@ -6929,7 +6928,7 @@
               </a14:hiddenLine>
             </a:ext>
             <a:ext uri="{FAA26D3D-D897-4be2-8F04-BA451C77F1D7}">
-              <ma14:placeholderFlag xmlns:ma14="http://schemas.microsoft.com/office/mac/drawingml/2011/main" xmlns="" val="1"/>
+              <ma14:placeholderFlag xmlns="" xmlns:ma14="http://schemas.microsoft.com/office/mac/drawingml/2011/main" val="1"/>
             </a:ext>
           </a:extLst>
         </p:spPr>
@@ -7095,14 +7094,14 @@
           </a:ln>
           <a:extLst>
             <a:ext uri="{909E8E84-426E-40DD-AFC4-6F175D3DCCD1}">
-              <a14:hiddenFill xmlns:a14="http://schemas.microsoft.com/office/drawing/2010/main">
+              <a14:hiddenFill xmlns:a14="http://schemas.microsoft.com/office/drawing/2010/main" xmlns="">
                 <a:solidFill>
                   <a:srgbClr val="FFFFFF"/>
                 </a:solidFill>
               </a14:hiddenFill>
             </a:ext>
             <a:ext uri="{91240B29-F687-4F45-9708-019B960494DF}">
-              <a14:hiddenLine xmlns:a14="http://schemas.microsoft.com/office/drawing/2010/main" w="9525">
+              <a14:hiddenLine xmlns:a14="http://schemas.microsoft.com/office/drawing/2010/main" xmlns="" w="9525">
                 <a:solidFill>
                   <a:srgbClr val="000000"/>
                 </a:solidFill>
@@ -7283,7 +7282,7 @@
     </p:spTree>
     <p:extLst>
       <p:ext uri="{BB962C8B-B14F-4D97-AF65-F5344CB8AC3E}">
-        <p14:creationId xmlns:p14="http://schemas.microsoft.com/office/powerpoint/2010/main" val="2698656889"/>
+        <p14:creationId xmlns:p14="http://schemas.microsoft.com/office/powerpoint/2010/main" xmlns="" val="2698656889"/>
       </p:ext>
     </p:extLst>
   </p:cSld>
@@ -7738,14 +7737,14 @@
           </a:ln>
           <a:extLst>
             <a:ext uri="{909E8E84-426E-40DD-AFC4-6F175D3DCCD1}">
-              <a14:hiddenFill xmlns:a14="http://schemas.microsoft.com/office/drawing/2010/main">
+              <a14:hiddenFill xmlns:a14="http://schemas.microsoft.com/office/drawing/2010/main" xmlns="">
                 <a:solidFill>
                   <a:srgbClr val="FFFFFF"/>
                 </a:solidFill>
               </a14:hiddenFill>
             </a:ext>
             <a:ext uri="{91240B29-F687-4F45-9708-019B960494DF}">
-              <a14:hiddenLine xmlns:a14="http://schemas.microsoft.com/office/drawing/2010/main" w="9525">
+              <a14:hiddenLine xmlns:a14="http://schemas.microsoft.com/office/drawing/2010/main" xmlns="" w="9525">
                 <a:solidFill>
                   <a:srgbClr val="000000"/>
                 </a:solidFill>
@@ -7755,7 +7754,7 @@
               </a14:hiddenLine>
             </a:ext>
             <a:ext uri="{FAA26D3D-D897-4be2-8F04-BA451C77F1D7}">
-              <ma14:placeholderFlag xmlns:ma14="http://schemas.microsoft.com/office/mac/drawingml/2011/main" xmlns="" val="1"/>
+              <ma14:placeholderFlag xmlns="" xmlns:ma14="http://schemas.microsoft.com/office/mac/drawingml/2011/main" val="1"/>
             </a:ext>
           </a:extLst>
         </p:spPr>
@@ -8720,14 +8719,14 @@
           </a:ln>
           <a:extLst>
             <a:ext uri="{909E8E84-426E-40DD-AFC4-6F175D3DCCD1}">
-              <a14:hiddenFill xmlns:a14="http://schemas.microsoft.com/office/drawing/2010/main">
+              <a14:hiddenFill xmlns:a14="http://schemas.microsoft.com/office/drawing/2010/main" xmlns="">
                 <a:solidFill>
                   <a:srgbClr val="FFFFFF"/>
                 </a:solidFill>
               </a14:hiddenFill>
             </a:ext>
             <a:ext uri="{91240B29-F687-4F45-9708-019B960494DF}">
-              <a14:hiddenLine xmlns:a14="http://schemas.microsoft.com/office/drawing/2010/main" w="9525">
+              <a14:hiddenLine xmlns:a14="http://schemas.microsoft.com/office/drawing/2010/main" xmlns="" w="9525">
                 <a:solidFill>
                   <a:srgbClr val="000000"/>
                 </a:solidFill>
@@ -9054,7 +9053,7 @@
     </p:spTree>
     <p:extLst>
       <p:ext uri="{BB962C8B-B14F-4D97-AF65-F5344CB8AC3E}">
-        <p14:creationId xmlns:p14="http://schemas.microsoft.com/office/powerpoint/2010/main" val="3979338191"/>
+        <p14:creationId xmlns:p14="http://schemas.microsoft.com/office/powerpoint/2010/main" xmlns="" val="3979338191"/>
       </p:ext>
     </p:extLst>
   </p:cSld>
@@ -9511,7 +9510,7 @@
           <a:blip r:embed="rId3">
             <a:extLst>
               <a:ext uri="{28A0092B-C50C-407E-A947-70E740481C1C}">
-                <a14:useLocalDpi xmlns:a14="http://schemas.microsoft.com/office/drawing/2010/main" val="0"/>
+                <a14:useLocalDpi xmlns:a14="http://schemas.microsoft.com/office/drawing/2010/main" xmlns="" val="0"/>
               </a:ext>
             </a:extLst>
           </a:blip>
@@ -9534,14 +9533,14 @@
           </a:ln>
           <a:extLst>
             <a:ext uri="{909E8E84-426E-40DD-AFC4-6F175D3DCCD1}">
-              <a14:hiddenFill xmlns:a14="http://schemas.microsoft.com/office/drawing/2010/main">
+              <a14:hiddenFill xmlns:a14="http://schemas.microsoft.com/office/drawing/2010/main" xmlns="">
                 <a:solidFill>
                   <a:schemeClr val="accent1"/>
                 </a:solidFill>
               </a14:hiddenFill>
             </a:ext>
             <a:ext uri="{91240B29-F687-4F45-9708-019B960494DF}">
-              <a14:hiddenLine xmlns:a14="http://schemas.microsoft.com/office/drawing/2010/main" w="9525">
+              <a14:hiddenLine xmlns:a14="http://schemas.microsoft.com/office/drawing/2010/main" xmlns="" w="9525">
                 <a:solidFill>
                   <a:schemeClr val="tx1"/>
                 </a:solidFill>
@@ -9556,7 +9555,7 @@
     </p:spTree>
     <p:extLst>
       <p:ext uri="{BB962C8B-B14F-4D97-AF65-F5344CB8AC3E}">
-        <p14:creationId xmlns:p14="http://schemas.microsoft.com/office/powerpoint/2010/main" val="964142297"/>
+        <p14:creationId xmlns:p14="http://schemas.microsoft.com/office/powerpoint/2010/main" xmlns="" val="964142297"/>
       </p:ext>
     </p:extLst>
   </p:cSld>
@@ -9602,7 +9601,7 @@
           <a:blip r:embed="rId3">
             <a:extLst>
               <a:ext uri="{28A0092B-C50C-407E-A947-70E740481C1C}">
-                <a14:useLocalDpi xmlns:a14="http://schemas.microsoft.com/office/drawing/2010/main" val="0"/>
+                <a14:useLocalDpi xmlns:a14="http://schemas.microsoft.com/office/drawing/2010/main" xmlns="" val="0"/>
               </a:ext>
             </a:extLst>
           </a:blip>
@@ -9625,14 +9624,14 @@
           </a:ln>
           <a:extLst>
             <a:ext uri="{909E8E84-426E-40DD-AFC4-6F175D3DCCD1}">
-              <a14:hiddenFill xmlns:a14="http://schemas.microsoft.com/office/drawing/2010/main">
+              <a14:hiddenFill xmlns:a14="http://schemas.microsoft.com/office/drawing/2010/main" xmlns="">
                 <a:solidFill>
                   <a:schemeClr val="accent1"/>
                 </a:solidFill>
               </a14:hiddenFill>
             </a:ext>
             <a:ext uri="{91240B29-F687-4F45-9708-019B960494DF}">
-              <a14:hiddenLine xmlns:a14="http://schemas.microsoft.com/office/drawing/2010/main" w="9525">
+              <a14:hiddenLine xmlns:a14="http://schemas.microsoft.com/office/drawing/2010/main" xmlns="" w="9525">
                 <a:solidFill>
                   <a:schemeClr val="tx1"/>
                 </a:solidFill>
@@ -9647,7 +9646,7 @@
     </p:spTree>
     <p:extLst>
       <p:ext uri="{BB962C8B-B14F-4D97-AF65-F5344CB8AC3E}">
-        <p14:creationId xmlns:p14="http://schemas.microsoft.com/office/powerpoint/2010/main" val="3864136232"/>
+        <p14:creationId xmlns:p14="http://schemas.microsoft.com/office/powerpoint/2010/main" xmlns="" val="3864136232"/>
       </p:ext>
     </p:extLst>
   </p:cSld>
@@ -9693,7 +9692,7 @@
           <a:blip r:embed="rId3">
             <a:extLst>
               <a:ext uri="{28A0092B-C50C-407E-A947-70E740481C1C}">
-                <a14:useLocalDpi xmlns:a14="http://schemas.microsoft.com/office/drawing/2010/main" val="0"/>
+                <a14:useLocalDpi xmlns:a14="http://schemas.microsoft.com/office/drawing/2010/main" xmlns="" val="0"/>
               </a:ext>
             </a:extLst>
           </a:blip>
@@ -9716,14 +9715,14 @@
           </a:ln>
           <a:extLst>
             <a:ext uri="{909E8E84-426E-40DD-AFC4-6F175D3DCCD1}">
-              <a14:hiddenFill xmlns:a14="http://schemas.microsoft.com/office/drawing/2010/main">
+              <a14:hiddenFill xmlns:a14="http://schemas.microsoft.com/office/drawing/2010/main" xmlns="">
                 <a:solidFill>
                   <a:schemeClr val="accent1"/>
                 </a:solidFill>
               </a14:hiddenFill>
             </a:ext>
             <a:ext uri="{91240B29-F687-4F45-9708-019B960494DF}">
-              <a14:hiddenLine xmlns:a14="http://schemas.microsoft.com/office/drawing/2010/main" w="9525">
+              <a14:hiddenLine xmlns:a14="http://schemas.microsoft.com/office/drawing/2010/main" xmlns="" w="9525">
                 <a:solidFill>
                   <a:schemeClr val="tx1"/>
                 </a:solidFill>
@@ -9738,7 +9737,7 @@
     </p:spTree>
     <p:extLst>
       <p:ext uri="{BB962C8B-B14F-4D97-AF65-F5344CB8AC3E}">
-        <p14:creationId xmlns:p14="http://schemas.microsoft.com/office/powerpoint/2010/main" val="1387538277"/>
+        <p14:creationId xmlns:p14="http://schemas.microsoft.com/office/powerpoint/2010/main" xmlns="" val="1387538277"/>
       </p:ext>
     </p:extLst>
   </p:cSld>
@@ -9784,7 +9783,7 @@
           <a:blip r:embed="rId3">
             <a:extLst>
               <a:ext uri="{28A0092B-C50C-407E-A947-70E740481C1C}">
-                <a14:useLocalDpi xmlns:a14="http://schemas.microsoft.com/office/drawing/2010/main" val="0"/>
+                <a14:useLocalDpi xmlns:a14="http://schemas.microsoft.com/office/drawing/2010/main" xmlns="" val="0"/>
               </a:ext>
             </a:extLst>
           </a:blip>
@@ -9807,14 +9806,14 @@
           </a:ln>
           <a:extLst>
             <a:ext uri="{909E8E84-426E-40DD-AFC4-6F175D3DCCD1}">
-              <a14:hiddenFill xmlns:a14="http://schemas.microsoft.com/office/drawing/2010/main">
+              <a14:hiddenFill xmlns:a14="http://schemas.microsoft.com/office/drawing/2010/main" xmlns="">
                 <a:solidFill>
                   <a:schemeClr val="accent1"/>
                 </a:solidFill>
               </a14:hiddenFill>
             </a:ext>
             <a:ext uri="{91240B29-F687-4F45-9708-019B960494DF}">
-              <a14:hiddenLine xmlns:a14="http://schemas.microsoft.com/office/drawing/2010/main" w="9525">
+              <a14:hiddenLine xmlns:a14="http://schemas.microsoft.com/office/drawing/2010/main" xmlns="" w="9525">
                 <a:solidFill>
                   <a:schemeClr val="tx1"/>
                 </a:solidFill>
@@ -9829,7 +9828,7 @@
     </p:spTree>
     <p:extLst>
       <p:ext uri="{BB962C8B-B14F-4D97-AF65-F5344CB8AC3E}">
-        <p14:creationId xmlns:p14="http://schemas.microsoft.com/office/powerpoint/2010/main" val="2927929357"/>
+        <p14:creationId xmlns:p14="http://schemas.microsoft.com/office/powerpoint/2010/main" xmlns="" val="2927929357"/>
       </p:ext>
     </p:extLst>
   </p:cSld>
@@ -9863,60 +9862,6 @@
           <a:chExt cx="0" cy="0"/>
         </a:xfrm>
       </p:grpSpPr>
-      <p:pic>
-        <p:nvPicPr>
-          <p:cNvPr id="16386" name="Picture 2"/>
-          <p:cNvPicPr>
-            <a:picLocks noChangeAspect="1"/>
-          </p:cNvPicPr>
-          <p:nvPr/>
-        </p:nvPicPr>
-        <p:blipFill>
-          <a:blip r:embed="rId2">
-            <a:extLst>
-              <a:ext uri="{28A0092B-C50C-407E-A947-70E740481C1C}">
-                <a14:useLocalDpi xmlns:a14="http://schemas.microsoft.com/office/drawing/2010/main" val="0"/>
-              </a:ext>
-            </a:extLst>
-          </a:blip>
-          <a:srcRect/>
-          <a:stretch>
-            <a:fillRect/>
-          </a:stretch>
-        </p:blipFill>
-        <p:spPr bwMode="auto">
-          <a:xfrm>
-            <a:off x="26988" y="5842000"/>
-            <a:ext cx="2794000" cy="1016000"/>
-          </a:xfrm>
-          <a:prstGeom prst="rect">
-            <a:avLst/>
-          </a:prstGeom>
-          <a:noFill/>
-          <a:ln>
-            <a:noFill/>
-          </a:ln>
-          <a:extLst>
-            <a:ext uri="{909E8E84-426E-40DD-AFC4-6F175D3DCCD1}">
-              <a14:hiddenFill xmlns:a14="http://schemas.microsoft.com/office/drawing/2010/main">
-                <a:solidFill>
-                  <a:srgbClr val="FFFFFF"/>
-                </a:solidFill>
-              </a14:hiddenFill>
-            </a:ext>
-            <a:ext uri="{91240B29-F687-4F45-9708-019B960494DF}">
-              <a14:hiddenLine xmlns:a14="http://schemas.microsoft.com/office/drawing/2010/main" w="9525">
-                <a:solidFill>
-                  <a:srgbClr val="000000"/>
-                </a:solidFill>
-                <a:miter lim="800000"/>
-                <a:headEnd/>
-                <a:tailEnd/>
-              </a14:hiddenLine>
-            </a:ext>
-          </a:extLst>
-        </p:spPr>
-      </p:pic>
       <p:sp>
         <p:nvSpPr>
           <p:cNvPr id="16387" name="Content Placeholder 2"/>
@@ -9962,10 +9907,10 @@
           <p:nvPr/>
         </p:nvPicPr>
         <p:blipFill>
-          <a:blip r:embed="rId3">
+          <a:blip r:embed="rId2">
             <a:extLst>
               <a:ext uri="{28A0092B-C50C-407E-A947-70E740481C1C}">
-                <a14:useLocalDpi xmlns:a14="http://schemas.microsoft.com/office/drawing/2010/main" val="0"/>
+                <a14:useLocalDpi xmlns:a14="http://schemas.microsoft.com/office/drawing/2010/main" xmlns="" val="0"/>
               </a:ext>
             </a:extLst>
           </a:blip>
@@ -9988,14 +9933,14 @@
           </a:ln>
           <a:extLst>
             <a:ext uri="{909E8E84-426E-40DD-AFC4-6F175D3DCCD1}">
-              <a14:hiddenFill xmlns:a14="http://schemas.microsoft.com/office/drawing/2010/main">
+              <a14:hiddenFill xmlns:a14="http://schemas.microsoft.com/office/drawing/2010/main" xmlns="">
                 <a:solidFill>
                   <a:srgbClr val="FFFFFF"/>
                 </a:solidFill>
               </a14:hiddenFill>
             </a:ext>
             <a:ext uri="{91240B29-F687-4F45-9708-019B960494DF}">
-              <a14:hiddenLine xmlns:a14="http://schemas.microsoft.com/office/drawing/2010/main" w="9525">
+              <a14:hiddenLine xmlns:a14="http://schemas.microsoft.com/office/drawing/2010/main" xmlns="" w="9525">
                 <a:solidFill>
                   <a:srgbClr val="000000"/>
                 </a:solidFill>
@@ -10010,151 +9955,7 @@
     </p:spTree>
     <p:extLst>
       <p:ext uri="{BB962C8B-B14F-4D97-AF65-F5344CB8AC3E}">
-        <p14:creationId xmlns:p14="http://schemas.microsoft.com/office/powerpoint/2010/main" val="1647345398"/>
-      </p:ext>
-    </p:extLst>
-  </p:cSld>
-  <p:clrMapOvr>
-    <a:masterClrMapping/>
-  </p:clrMapOvr>
-  <p:timing>
-    <p:tnLst>
-      <p:par>
-        <p:cTn id="1" dur="indefinite" restart="never" nodeType="tmRoot"/>
-      </p:par>
-    </p:tnLst>
-  </p:timing>
-</p:sld>
-</file>
-
-<file path=ppt/slides/slide14.xml><?xml version="1.0" encoding="utf-8"?>
-<p:sld xmlns:a="http://schemas.openxmlformats.org/drawingml/2006/main" xmlns:r="http://schemas.openxmlformats.org/officeDocument/2006/relationships" xmlns:p="http://schemas.openxmlformats.org/presentationml/2006/main">
-  <p:cSld>
-    <p:spTree>
-      <p:nvGrpSpPr>
-        <p:cNvPr id="1" name=""/>
-        <p:cNvGrpSpPr/>
-        <p:nvPr/>
-      </p:nvGrpSpPr>
-      <p:grpSpPr>
-        <a:xfrm>
-          <a:off x="0" y="0"/>
-          <a:ext cx="0" cy="0"/>
-          <a:chOff x="0" y="0"/>
-          <a:chExt cx="0" cy="0"/>
-        </a:xfrm>
-      </p:grpSpPr>
-      <p:sp>
-        <p:nvSpPr>
-          <p:cNvPr id="36868" name="Rectangle 4"/>
-          <p:cNvSpPr>
-            <a:spLocks noGrp="1" noChangeArrowheads="1"/>
-          </p:cNvSpPr>
-          <p:nvPr>
-            <p:ph type="title"/>
-          </p:nvPr>
-        </p:nvSpPr>
-        <p:spPr bwMode="auto">
-          <a:xfrm>
-            <a:off x="468313" y="2924175"/>
-            <a:ext cx="7620000" cy="1143000"/>
-          </a:xfrm>
-          <a:extLst>
-            <a:ext uri="{909E8E84-426E-40DD-AFC4-6F175D3DCCD1}">
-              <a14:hiddenFill xmlns:a14="http://schemas.microsoft.com/office/drawing/2010/main">
-                <a:solidFill>
-                  <a:srgbClr val="FFFFFF"/>
-                </a:solidFill>
-              </a14:hiddenFill>
-            </a:ext>
-            <a:ext uri="{91240B29-F687-4F45-9708-019B960494DF}">
-              <a14:hiddenLine xmlns:a14="http://schemas.microsoft.com/office/drawing/2010/main" w="9525">
-                <a:solidFill>
-                  <a:srgbClr val="000000"/>
-                </a:solidFill>
-                <a:miter lim="800000"/>
-                <a:headEnd/>
-                <a:tailEnd/>
-              </a14:hiddenLine>
-            </a:ext>
-          </a:extLst>
-        </p:spPr>
-        <p:txBody>
-          <a:bodyPr wrap="square" numCol="1" anchorCtr="0" compatLnSpc="1">
-            <a:prstTxWarp prst="textNoShape">
-              <a:avLst/>
-            </a:prstTxWarp>
-          </a:bodyPr>
-          <a:lstStyle/>
-          <a:p>
-            <a:pPr eaLnBrk="1" hangingPunct="1">
-              <a:defRPr/>
-            </a:pPr>
-            <a:r>
-              <a:rPr lang="hu-HU" smtClean="0"/>
-              <a:t>Thank you for your attention!</a:t>
-            </a:r>
-          </a:p>
-        </p:txBody>
-      </p:sp>
-      <p:pic>
-        <p:nvPicPr>
-          <p:cNvPr id="17411" name="Picture 1"/>
-          <p:cNvPicPr>
-            <a:picLocks noChangeAspect="1"/>
-          </p:cNvPicPr>
-          <p:nvPr/>
-        </p:nvPicPr>
-        <p:blipFill>
-          <a:blip r:embed="rId2">
-            <a:extLst>
-              <a:ext uri="{28A0092B-C50C-407E-A947-70E740481C1C}">
-                <a14:useLocalDpi xmlns:a14="http://schemas.microsoft.com/office/drawing/2010/main" val="0"/>
-              </a:ext>
-            </a:extLst>
-          </a:blip>
-          <a:srcRect/>
-          <a:stretch>
-            <a:fillRect/>
-          </a:stretch>
-        </p:blipFill>
-        <p:spPr bwMode="auto">
-          <a:xfrm>
-            <a:off x="9525" y="5880100"/>
-            <a:ext cx="2794000" cy="1016000"/>
-          </a:xfrm>
-          <a:prstGeom prst="rect">
-            <a:avLst/>
-          </a:prstGeom>
-          <a:noFill/>
-          <a:ln>
-            <a:noFill/>
-          </a:ln>
-          <a:extLst>
-            <a:ext uri="{909E8E84-426E-40DD-AFC4-6F175D3DCCD1}">
-              <a14:hiddenFill xmlns:a14="http://schemas.microsoft.com/office/drawing/2010/main">
-                <a:solidFill>
-                  <a:srgbClr val="FFFFFF"/>
-                </a:solidFill>
-              </a14:hiddenFill>
-            </a:ext>
-            <a:ext uri="{91240B29-F687-4F45-9708-019B960494DF}">
-              <a14:hiddenLine xmlns:a14="http://schemas.microsoft.com/office/drawing/2010/main" w="9525">
-                <a:solidFill>
-                  <a:srgbClr val="000000"/>
-                </a:solidFill>
-                <a:miter lim="800000"/>
-                <a:headEnd/>
-                <a:tailEnd/>
-              </a14:hiddenLine>
-            </a:ext>
-          </a:extLst>
-        </p:spPr>
-      </p:pic>
-    </p:spTree>
-    <p:extLst>
-      <p:ext uri="{BB962C8B-B14F-4D97-AF65-F5344CB8AC3E}">
-        <p14:creationId xmlns:p14="http://schemas.microsoft.com/office/powerpoint/2010/main" val="2928715991"/>
+        <p14:creationId xmlns:p14="http://schemas.microsoft.com/office/powerpoint/2010/main" xmlns="" val="1647345398"/>
       </p:ext>
     </p:extLst>
   </p:cSld>
@@ -10200,7 +10001,7 @@
           <a:blip r:embed="rId3">
             <a:extLst>
               <a:ext uri="{28A0092B-C50C-407E-A947-70E740481C1C}">
-                <a14:useLocalDpi xmlns:a14="http://schemas.microsoft.com/office/drawing/2010/main" val="0"/>
+                <a14:useLocalDpi xmlns:a14="http://schemas.microsoft.com/office/drawing/2010/main" xmlns="" val="0"/>
               </a:ext>
             </a:extLst>
           </a:blip>
@@ -10223,14 +10024,14 @@
           </a:ln>
           <a:extLst>
             <a:ext uri="{909E8E84-426E-40DD-AFC4-6F175D3DCCD1}">
-              <a14:hiddenFill xmlns:a14="http://schemas.microsoft.com/office/drawing/2010/main">
+              <a14:hiddenFill xmlns:a14="http://schemas.microsoft.com/office/drawing/2010/main" xmlns="">
                 <a:solidFill>
                   <a:schemeClr val="accent1"/>
                 </a:solidFill>
               </a14:hiddenFill>
             </a:ext>
             <a:ext uri="{91240B29-F687-4F45-9708-019B960494DF}">
-              <a14:hiddenLine xmlns:a14="http://schemas.microsoft.com/office/drawing/2010/main" w="9525">
+              <a14:hiddenLine xmlns:a14="http://schemas.microsoft.com/office/drawing/2010/main" xmlns="" w="9525">
                 <a:solidFill>
                   <a:schemeClr val="tx1"/>
                 </a:solidFill>
@@ -10245,7 +10046,7 @@
     </p:spTree>
     <p:extLst>
       <p:ext uri="{BB962C8B-B14F-4D97-AF65-F5344CB8AC3E}">
-        <p14:creationId xmlns:p14="http://schemas.microsoft.com/office/powerpoint/2010/main" val="2487509547"/>
+        <p14:creationId xmlns:p14="http://schemas.microsoft.com/office/powerpoint/2010/main" xmlns="" val="2487509547"/>
       </p:ext>
     </p:extLst>
   </p:cSld>
@@ -10291,7 +10092,7 @@
           <a:blip r:embed="rId3">
             <a:extLst>
               <a:ext uri="{28A0092B-C50C-407E-A947-70E740481C1C}">
-                <a14:useLocalDpi xmlns:a14="http://schemas.microsoft.com/office/drawing/2010/main" val="0"/>
+                <a14:useLocalDpi xmlns:a14="http://schemas.microsoft.com/office/drawing/2010/main" xmlns="" val="0"/>
               </a:ext>
             </a:extLst>
           </a:blip>
@@ -10314,14 +10115,14 @@
           </a:ln>
           <a:extLst>
             <a:ext uri="{909E8E84-426E-40DD-AFC4-6F175D3DCCD1}">
-              <a14:hiddenFill xmlns:a14="http://schemas.microsoft.com/office/drawing/2010/main">
+              <a14:hiddenFill xmlns:a14="http://schemas.microsoft.com/office/drawing/2010/main" xmlns="">
                 <a:solidFill>
                   <a:schemeClr val="accent1"/>
                 </a:solidFill>
               </a14:hiddenFill>
             </a:ext>
             <a:ext uri="{91240B29-F687-4F45-9708-019B960494DF}">
-              <a14:hiddenLine xmlns:a14="http://schemas.microsoft.com/office/drawing/2010/main" w="9525">
+              <a14:hiddenLine xmlns:a14="http://schemas.microsoft.com/office/drawing/2010/main" xmlns="" w="9525">
                 <a:solidFill>
                   <a:schemeClr val="tx1"/>
                 </a:solidFill>
@@ -10336,7 +10137,7 @@
     </p:spTree>
     <p:extLst>
       <p:ext uri="{BB962C8B-B14F-4D97-AF65-F5344CB8AC3E}">
-        <p14:creationId xmlns:p14="http://schemas.microsoft.com/office/powerpoint/2010/main" val="2045633580"/>
+        <p14:creationId xmlns:p14="http://schemas.microsoft.com/office/powerpoint/2010/main" xmlns="" val="2045633580"/>
       </p:ext>
     </p:extLst>
   </p:cSld>
@@ -10382,7 +10183,7 @@
           <a:blip r:embed="rId3">
             <a:extLst>
               <a:ext uri="{28A0092B-C50C-407E-A947-70E740481C1C}">
-                <a14:useLocalDpi xmlns:a14="http://schemas.microsoft.com/office/drawing/2010/main" val="0"/>
+                <a14:useLocalDpi xmlns:a14="http://schemas.microsoft.com/office/drawing/2010/main" xmlns="" val="0"/>
               </a:ext>
             </a:extLst>
           </a:blip>
@@ -10405,14 +10206,14 @@
           </a:ln>
           <a:extLst>
             <a:ext uri="{909E8E84-426E-40DD-AFC4-6F175D3DCCD1}">
-              <a14:hiddenFill xmlns:a14="http://schemas.microsoft.com/office/drawing/2010/main">
+              <a14:hiddenFill xmlns:a14="http://schemas.microsoft.com/office/drawing/2010/main" xmlns="">
                 <a:solidFill>
                   <a:schemeClr val="accent1"/>
                 </a:solidFill>
               </a14:hiddenFill>
             </a:ext>
             <a:ext uri="{91240B29-F687-4F45-9708-019B960494DF}">
-              <a14:hiddenLine xmlns:a14="http://schemas.microsoft.com/office/drawing/2010/main" w="9525">
+              <a14:hiddenLine xmlns:a14="http://schemas.microsoft.com/office/drawing/2010/main" xmlns="" w="9525">
                 <a:solidFill>
                   <a:schemeClr val="tx1"/>
                 </a:solidFill>
@@ -10427,7 +10228,7 @@
     </p:spTree>
     <p:extLst>
       <p:ext uri="{BB962C8B-B14F-4D97-AF65-F5344CB8AC3E}">
-        <p14:creationId xmlns:p14="http://schemas.microsoft.com/office/powerpoint/2010/main" val="2367520185"/>
+        <p14:creationId xmlns:p14="http://schemas.microsoft.com/office/powerpoint/2010/main" xmlns="" val="2367520185"/>
       </p:ext>
     </p:extLst>
   </p:cSld>
@@ -10473,7 +10274,7 @@
           <a:blip r:embed="rId3">
             <a:extLst>
               <a:ext uri="{28A0092B-C50C-407E-A947-70E740481C1C}">
-                <a14:useLocalDpi xmlns:a14="http://schemas.microsoft.com/office/drawing/2010/main" val="0"/>
+                <a14:useLocalDpi xmlns:a14="http://schemas.microsoft.com/office/drawing/2010/main" xmlns="" val="0"/>
               </a:ext>
             </a:extLst>
           </a:blip>
@@ -10496,14 +10297,14 @@
           </a:ln>
           <a:extLst>
             <a:ext uri="{909E8E84-426E-40DD-AFC4-6F175D3DCCD1}">
-              <a14:hiddenFill xmlns:a14="http://schemas.microsoft.com/office/drawing/2010/main">
+              <a14:hiddenFill xmlns:a14="http://schemas.microsoft.com/office/drawing/2010/main" xmlns="">
                 <a:solidFill>
                   <a:schemeClr val="accent1"/>
                 </a:solidFill>
               </a14:hiddenFill>
             </a:ext>
             <a:ext uri="{91240B29-F687-4F45-9708-019B960494DF}">
-              <a14:hiddenLine xmlns:a14="http://schemas.microsoft.com/office/drawing/2010/main" w="9525">
+              <a14:hiddenLine xmlns:a14="http://schemas.microsoft.com/office/drawing/2010/main" xmlns="" w="9525">
                 <a:solidFill>
                   <a:schemeClr val="tx1"/>
                 </a:solidFill>
@@ -10518,7 +10319,7 @@
     </p:spTree>
     <p:extLst>
       <p:ext uri="{BB962C8B-B14F-4D97-AF65-F5344CB8AC3E}">
-        <p14:creationId xmlns:p14="http://schemas.microsoft.com/office/powerpoint/2010/main" val="18437764"/>
+        <p14:creationId xmlns:p14="http://schemas.microsoft.com/office/powerpoint/2010/main" xmlns="" val="18437764"/>
       </p:ext>
     </p:extLst>
   </p:cSld>
@@ -10564,7 +10365,7 @@
           <a:blip r:embed="rId3">
             <a:extLst>
               <a:ext uri="{28A0092B-C50C-407E-A947-70E740481C1C}">
-                <a14:useLocalDpi xmlns:a14="http://schemas.microsoft.com/office/drawing/2010/main" val="0"/>
+                <a14:useLocalDpi xmlns:a14="http://schemas.microsoft.com/office/drawing/2010/main" xmlns="" val="0"/>
               </a:ext>
             </a:extLst>
           </a:blip>
@@ -10587,14 +10388,14 @@
           </a:ln>
           <a:extLst>
             <a:ext uri="{909E8E84-426E-40DD-AFC4-6F175D3DCCD1}">
-              <a14:hiddenFill xmlns:a14="http://schemas.microsoft.com/office/drawing/2010/main">
+              <a14:hiddenFill xmlns:a14="http://schemas.microsoft.com/office/drawing/2010/main" xmlns="">
                 <a:solidFill>
                   <a:schemeClr val="accent1"/>
                 </a:solidFill>
               </a14:hiddenFill>
             </a:ext>
             <a:ext uri="{91240B29-F687-4F45-9708-019B960494DF}">
-              <a14:hiddenLine xmlns:a14="http://schemas.microsoft.com/office/drawing/2010/main" w="9525">
+              <a14:hiddenLine xmlns:a14="http://schemas.microsoft.com/office/drawing/2010/main" xmlns="" w="9525">
                 <a:solidFill>
                   <a:schemeClr val="tx1"/>
                 </a:solidFill>
@@ -10609,7 +10410,7 @@
     </p:spTree>
     <p:extLst>
       <p:ext uri="{BB962C8B-B14F-4D97-AF65-F5344CB8AC3E}">
-        <p14:creationId xmlns:p14="http://schemas.microsoft.com/office/powerpoint/2010/main" val="2836741992"/>
+        <p14:creationId xmlns:p14="http://schemas.microsoft.com/office/powerpoint/2010/main" xmlns="" val="2836741992"/>
       </p:ext>
     </p:extLst>
   </p:cSld>
@@ -10655,7 +10456,7 @@
           <a:blip r:embed="rId3">
             <a:extLst>
               <a:ext uri="{28A0092B-C50C-407E-A947-70E740481C1C}">
-                <a14:useLocalDpi xmlns:a14="http://schemas.microsoft.com/office/drawing/2010/main" val="0"/>
+                <a14:useLocalDpi xmlns:a14="http://schemas.microsoft.com/office/drawing/2010/main" xmlns="" val="0"/>
               </a:ext>
             </a:extLst>
           </a:blip>
@@ -10678,14 +10479,14 @@
           </a:ln>
           <a:extLst>
             <a:ext uri="{909E8E84-426E-40DD-AFC4-6F175D3DCCD1}">
-              <a14:hiddenFill xmlns:a14="http://schemas.microsoft.com/office/drawing/2010/main">
+              <a14:hiddenFill xmlns:a14="http://schemas.microsoft.com/office/drawing/2010/main" xmlns="">
                 <a:solidFill>
                   <a:schemeClr val="accent1"/>
                 </a:solidFill>
               </a14:hiddenFill>
             </a:ext>
             <a:ext uri="{91240B29-F687-4F45-9708-019B960494DF}">
-              <a14:hiddenLine xmlns:a14="http://schemas.microsoft.com/office/drawing/2010/main" w="9525">
+              <a14:hiddenLine xmlns:a14="http://schemas.microsoft.com/office/drawing/2010/main" xmlns="" w="9525">
                 <a:solidFill>
                   <a:schemeClr val="tx1"/>
                 </a:solidFill>
@@ -10700,7 +10501,7 @@
     </p:spTree>
     <p:extLst>
       <p:ext uri="{BB962C8B-B14F-4D97-AF65-F5344CB8AC3E}">
-        <p14:creationId xmlns:p14="http://schemas.microsoft.com/office/powerpoint/2010/main" val="553868364"/>
+        <p14:creationId xmlns:p14="http://schemas.microsoft.com/office/powerpoint/2010/main" xmlns="" val="553868364"/>
       </p:ext>
     </p:extLst>
   </p:cSld>
@@ -10746,7 +10547,7 @@
           <a:blip r:embed="rId3">
             <a:extLst>
               <a:ext uri="{28A0092B-C50C-407E-A947-70E740481C1C}">
-                <a14:useLocalDpi xmlns:a14="http://schemas.microsoft.com/office/drawing/2010/main" val="0"/>
+                <a14:useLocalDpi xmlns:a14="http://schemas.microsoft.com/office/drawing/2010/main" xmlns="" val="0"/>
               </a:ext>
             </a:extLst>
           </a:blip>
@@ -10769,14 +10570,14 @@
           </a:ln>
           <a:extLst>
             <a:ext uri="{909E8E84-426E-40DD-AFC4-6F175D3DCCD1}">
-              <a14:hiddenFill xmlns:a14="http://schemas.microsoft.com/office/drawing/2010/main">
+              <a14:hiddenFill xmlns:a14="http://schemas.microsoft.com/office/drawing/2010/main" xmlns="">
                 <a:solidFill>
                   <a:schemeClr val="accent1"/>
                 </a:solidFill>
               </a14:hiddenFill>
             </a:ext>
             <a:ext uri="{91240B29-F687-4F45-9708-019B960494DF}">
-              <a14:hiddenLine xmlns:a14="http://schemas.microsoft.com/office/drawing/2010/main" w="9525">
+              <a14:hiddenLine xmlns:a14="http://schemas.microsoft.com/office/drawing/2010/main" xmlns="" w="9525">
                 <a:solidFill>
                   <a:schemeClr val="tx1"/>
                 </a:solidFill>
@@ -10791,7 +10592,7 @@
     </p:spTree>
     <p:extLst>
       <p:ext uri="{BB962C8B-B14F-4D97-AF65-F5344CB8AC3E}">
-        <p14:creationId xmlns:p14="http://schemas.microsoft.com/office/powerpoint/2010/main" val="1326064202"/>
+        <p14:creationId xmlns:p14="http://schemas.microsoft.com/office/powerpoint/2010/main" xmlns="" val="1326064202"/>
       </p:ext>
     </p:extLst>
   </p:cSld>
@@ -10837,7 +10638,7 @@
           <a:blip r:embed="rId3">
             <a:extLst>
               <a:ext uri="{28A0092B-C50C-407E-A947-70E740481C1C}">
-                <a14:useLocalDpi xmlns:a14="http://schemas.microsoft.com/office/drawing/2010/main" val="0"/>
+                <a14:useLocalDpi xmlns:a14="http://schemas.microsoft.com/office/drawing/2010/main" xmlns="" val="0"/>
               </a:ext>
             </a:extLst>
           </a:blip>
@@ -10860,14 +10661,14 @@
           </a:ln>
           <a:extLst>
             <a:ext uri="{909E8E84-426E-40DD-AFC4-6F175D3DCCD1}">
-              <a14:hiddenFill xmlns:a14="http://schemas.microsoft.com/office/drawing/2010/main">
+              <a14:hiddenFill xmlns:a14="http://schemas.microsoft.com/office/drawing/2010/main" xmlns="">
                 <a:solidFill>
                   <a:schemeClr val="accent1"/>
                 </a:solidFill>
               </a14:hiddenFill>
             </a:ext>
             <a:ext uri="{91240B29-F687-4F45-9708-019B960494DF}">
-              <a14:hiddenLine xmlns:a14="http://schemas.microsoft.com/office/drawing/2010/main" w="9525">
+              <a14:hiddenLine xmlns:a14="http://schemas.microsoft.com/office/drawing/2010/main" xmlns="" w="9525">
                 <a:solidFill>
                   <a:schemeClr val="tx1"/>
                 </a:solidFill>
@@ -10882,7 +10683,7 @@
     </p:spTree>
     <p:extLst>
       <p:ext uri="{BB962C8B-B14F-4D97-AF65-F5344CB8AC3E}">
-        <p14:creationId xmlns:p14="http://schemas.microsoft.com/office/powerpoint/2010/main" val="2757177631"/>
+        <p14:creationId xmlns:p14="http://schemas.microsoft.com/office/powerpoint/2010/main" xmlns="" val="2757177631"/>
       </p:ext>
     </p:extLst>
   </p:cSld>
